--- a/Газизов К.И. БВТ2003.pptx
+++ b/Газизов К.И. БВТ2003.pptx
@@ -5121,7 +5121,7 @@
               </a:lnSpc>
             </a:pPr>
             <a:r>
-              <a:rPr lang="en-US" sz="2400" dirty="0">
+              <a:rPr lang="en-US" sz="2400" b="1" dirty="0">
                 <a:solidFill>
                   <a:srgbClr val="FFFFFF"/>
                 </a:solidFill>
@@ -5129,7 +5129,7 @@
               <a:t>Splash screen</a:t>
             </a:r>
             <a:r>
-              <a:rPr lang="ru-RU" sz="2400" dirty="0">
+              <a:rPr lang="ru-RU" sz="2400" b="1" dirty="0">
                 <a:solidFill>
                   <a:srgbClr val="FFFFFF"/>
                 </a:solidFill>
@@ -6118,7 +6118,7 @@
         </p:blipFill>
         <p:spPr>
           <a:xfrm>
-            <a:off x="539960" y="1662239"/>
+            <a:off x="541163" y="1643894"/>
             <a:ext cx="2433407" cy="4944242"/>
           </a:xfrm>
           <a:prstGeom prst="rect">

--- a/Газизов К.И. БВТ2003.pptx
+++ b/Газизов К.И. БВТ2003.pptx
@@ -6098,10 +6098,10 @@
       </p:sp>
       <p:pic>
         <p:nvPicPr>
-          <p:cNvPr id="3" name="Рисунок 2">
-            <a:extLst>
-              <a:ext uri="{FF2B5EF4-FFF2-40B4-BE49-F238E27FC236}">
-                <a16:creationId xmlns:a16="http://schemas.microsoft.com/office/drawing/2014/main" id="{3DE5ECA7-3C07-BF7B-F548-5F17EE64396B}"/>
+          <p:cNvPr id="10" name="Рисунок 9">
+            <a:extLst>
+              <a:ext uri="{FF2B5EF4-FFF2-40B4-BE49-F238E27FC236}">
+                <a16:creationId xmlns:a16="http://schemas.microsoft.com/office/drawing/2014/main" id="{38A47866-D028-0888-A985-415D7785B53D}"/>
               </a:ext>
             </a:extLst>
           </p:cNvPr>
@@ -6118,38 +6118,8 @@
         </p:blipFill>
         <p:spPr>
           <a:xfrm>
-            <a:off x="541163" y="1643894"/>
-            <a:ext cx="2433407" cy="4944242"/>
-          </a:xfrm>
-          <a:prstGeom prst="rect">
-            <a:avLst/>
-          </a:prstGeom>
-        </p:spPr>
-      </p:pic>
-      <p:pic>
-        <p:nvPicPr>
-          <p:cNvPr id="7" name="Рисунок 6">
-            <a:extLst>
-              <a:ext uri="{FF2B5EF4-FFF2-40B4-BE49-F238E27FC236}">
-                <a16:creationId xmlns:a16="http://schemas.microsoft.com/office/drawing/2014/main" id="{CE1F99E7-F6E4-DC49-5C44-939BFAB88674}"/>
-              </a:ext>
-            </a:extLst>
-          </p:cNvPr>
-          <p:cNvPicPr>
-            <a:picLocks noChangeAspect="1"/>
-          </p:cNvPicPr>
-          <p:nvPr/>
-        </p:nvPicPr>
-        <p:blipFill>
-          <a:blip r:embed="rId5"/>
-          <a:stretch>
-            <a:fillRect/>
-          </a:stretch>
-        </p:blipFill>
-        <p:spPr>
-          <a:xfrm>
-            <a:off x="3310974" y="1643894"/>
-            <a:ext cx="2414830" cy="4962587"/>
+            <a:off x="3439811" y="1614776"/>
+            <a:ext cx="2414830" cy="4957882"/>
           </a:xfrm>
           <a:prstGeom prst="rect">
             <a:avLst/>

--- a/Газизов К.И. БВТ2003.pptx
+++ b/Газизов К.И. БВТ2003.pptx
@@ -6126,6 +6126,36 @@
           </a:prstGeom>
         </p:spPr>
       </p:pic>
+      <p:pic>
+        <p:nvPicPr>
+          <p:cNvPr id="2" name="Рисунок 1">
+            <a:extLst>
+              <a:ext uri="{FF2B5EF4-FFF2-40B4-BE49-F238E27FC236}">
+                <a16:creationId xmlns:a16="http://schemas.microsoft.com/office/drawing/2014/main" id="{CE1F99E7-F6E4-DC49-5C44-939BFAB88674}"/>
+              </a:ext>
+            </a:extLst>
+          </p:cNvPr>
+          <p:cNvPicPr>
+            <a:picLocks noChangeAspect="1"/>
+          </p:cNvPicPr>
+          <p:nvPr/>
+        </p:nvPicPr>
+        <p:blipFill>
+          <a:blip r:embed="rId5"/>
+          <a:stretch>
+            <a:fillRect/>
+          </a:stretch>
+        </p:blipFill>
+        <p:spPr>
+          <a:xfrm>
+            <a:off x="541163" y="1615503"/>
+            <a:ext cx="2414830" cy="4962587"/>
+          </a:xfrm>
+          <a:prstGeom prst="rect">
+            <a:avLst/>
+          </a:prstGeom>
+        </p:spPr>
+      </p:pic>
     </p:spTree>
     <p:extLst>
       <p:ext uri="{BB962C8B-B14F-4D97-AF65-F5344CB8AC3E}">
